--- a/ppt/4.pptx
+++ b/ppt/4.pptx
@@ -262,7 +262,7 @@
           <a:p>
             <a:fld id="{5607B9D9-C207-4155-B438-75467CF731EF}" type="datetimeFigureOut">
               <a:rPr lang="en-US" smtClean="0"/>
-              <a:t>31-Jul-22</a:t>
+              <a:t>27-Nov-22</a:t>
             </a:fld>
             <a:endParaRPr lang="en-US"/>
           </a:p>
@@ -460,7 +460,7 @@
           <a:p>
             <a:fld id="{5607B9D9-C207-4155-B438-75467CF731EF}" type="datetimeFigureOut">
               <a:rPr lang="en-US" smtClean="0"/>
-              <a:t>31-Jul-22</a:t>
+              <a:t>27-Nov-22</a:t>
             </a:fld>
             <a:endParaRPr lang="en-US"/>
           </a:p>
@@ -668,7 +668,7 @@
           <a:p>
             <a:fld id="{5607B9D9-C207-4155-B438-75467CF731EF}" type="datetimeFigureOut">
               <a:rPr lang="en-US" smtClean="0"/>
-              <a:t>31-Jul-22</a:t>
+              <a:t>27-Nov-22</a:t>
             </a:fld>
             <a:endParaRPr lang="en-US"/>
           </a:p>
@@ -866,7 +866,7 @@
           <a:p>
             <a:fld id="{5607B9D9-C207-4155-B438-75467CF731EF}" type="datetimeFigureOut">
               <a:rPr lang="en-US" smtClean="0"/>
-              <a:t>31-Jul-22</a:t>
+              <a:t>27-Nov-22</a:t>
             </a:fld>
             <a:endParaRPr lang="en-US"/>
           </a:p>
@@ -1141,7 +1141,7 @@
           <a:p>
             <a:fld id="{5607B9D9-C207-4155-B438-75467CF731EF}" type="datetimeFigureOut">
               <a:rPr lang="en-US" smtClean="0"/>
-              <a:t>31-Jul-22</a:t>
+              <a:t>27-Nov-22</a:t>
             </a:fld>
             <a:endParaRPr lang="en-US"/>
           </a:p>
@@ -1406,7 +1406,7 @@
           <a:p>
             <a:fld id="{5607B9D9-C207-4155-B438-75467CF731EF}" type="datetimeFigureOut">
               <a:rPr lang="en-US" smtClean="0"/>
-              <a:t>31-Jul-22</a:t>
+              <a:t>27-Nov-22</a:t>
             </a:fld>
             <a:endParaRPr lang="en-US"/>
           </a:p>
@@ -1818,7 +1818,7 @@
           <a:p>
             <a:fld id="{5607B9D9-C207-4155-B438-75467CF731EF}" type="datetimeFigureOut">
               <a:rPr lang="en-US" smtClean="0"/>
-              <a:t>31-Jul-22</a:t>
+              <a:t>27-Nov-22</a:t>
             </a:fld>
             <a:endParaRPr lang="en-US"/>
           </a:p>
@@ -1959,7 +1959,7 @@
           <a:p>
             <a:fld id="{5607B9D9-C207-4155-B438-75467CF731EF}" type="datetimeFigureOut">
               <a:rPr lang="en-US" smtClean="0"/>
-              <a:t>31-Jul-22</a:t>
+              <a:t>27-Nov-22</a:t>
             </a:fld>
             <a:endParaRPr lang="en-US"/>
           </a:p>
@@ -2072,7 +2072,7 @@
           <a:p>
             <a:fld id="{5607B9D9-C207-4155-B438-75467CF731EF}" type="datetimeFigureOut">
               <a:rPr lang="en-US" smtClean="0"/>
-              <a:t>31-Jul-22</a:t>
+              <a:t>27-Nov-22</a:t>
             </a:fld>
             <a:endParaRPr lang="en-US"/>
           </a:p>
@@ -2383,7 +2383,7 @@
           <a:p>
             <a:fld id="{5607B9D9-C207-4155-B438-75467CF731EF}" type="datetimeFigureOut">
               <a:rPr lang="en-US" smtClean="0"/>
-              <a:t>31-Jul-22</a:t>
+              <a:t>27-Nov-22</a:t>
             </a:fld>
             <a:endParaRPr lang="en-US"/>
           </a:p>
@@ -2671,7 +2671,7 @@
           <a:p>
             <a:fld id="{5607B9D9-C207-4155-B438-75467CF731EF}" type="datetimeFigureOut">
               <a:rPr lang="en-US" smtClean="0"/>
-              <a:t>31-Jul-22</a:t>
+              <a:t>27-Nov-22</a:t>
             </a:fld>
             <a:endParaRPr lang="en-US"/>
           </a:p>
@@ -2912,7 +2912,7 @@
           <a:p>
             <a:fld id="{5607B9D9-C207-4155-B438-75467CF731EF}" type="datetimeFigureOut">
               <a:rPr lang="en-US" smtClean="0"/>
-              <a:t>31-Jul-22</a:t>
+              <a:t>27-Nov-22</a:t>
             </a:fld>
             <a:endParaRPr lang="en-US"/>
           </a:p>
@@ -3359,6 +3359,36 @@
           </a:prstGeom>
         </p:spPr>
       </p:pic>
+      <p:pic>
+        <p:nvPicPr>
+          <p:cNvPr id="3" name="Picture 2">
+            <a:extLst>
+              <a:ext uri="{FF2B5EF4-FFF2-40B4-BE49-F238E27FC236}">
+                <a16:creationId xmlns:a16="http://schemas.microsoft.com/office/drawing/2014/main" id="{04CABCD6-0A5B-61FB-17F0-7FD64A5179B1}"/>
+              </a:ext>
+            </a:extLst>
+          </p:cNvPr>
+          <p:cNvPicPr>
+            <a:picLocks noChangeAspect="1"/>
+          </p:cNvPicPr>
+          <p:nvPr/>
+        </p:nvPicPr>
+        <p:blipFill>
+          <a:blip r:embed="rId3"/>
+          <a:stretch>
+            <a:fillRect/>
+          </a:stretch>
+        </p:blipFill>
+        <p:spPr>
+          <a:xfrm>
+            <a:off x="3381717" y="137110"/>
+            <a:ext cx="5120028" cy="3494046"/>
+          </a:xfrm>
+          <a:prstGeom prst="rect">
+            <a:avLst/>
+          </a:prstGeom>
+        </p:spPr>
+      </p:pic>
       <p:sp>
         <p:nvSpPr>
           <p:cNvPr id="18" name="Rectangle 17">
@@ -3418,51 +3448,21 @@
           </a:p>
         </p:txBody>
       </p:sp>
-      <p:pic>
-        <p:nvPicPr>
-          <p:cNvPr id="21" name="Picture 20">
-            <a:extLst>
-              <a:ext uri="{FF2B5EF4-FFF2-40B4-BE49-F238E27FC236}">
-                <a16:creationId xmlns:a16="http://schemas.microsoft.com/office/drawing/2014/main" id="{20B13829-53CA-432C-B08B-0A8772E66811}"/>
-              </a:ext>
-            </a:extLst>
-          </p:cNvPr>
-          <p:cNvPicPr>
-            <a:picLocks noChangeAspect="1"/>
-          </p:cNvPicPr>
+      <p:sp>
+        <p:nvSpPr>
+          <p:cNvPr id="19" name="Rectangle 18">
+            <a:extLst>
+              <a:ext uri="{FF2B5EF4-FFF2-40B4-BE49-F238E27FC236}">
+                <a16:creationId xmlns:a16="http://schemas.microsoft.com/office/drawing/2014/main" id="{94C324A7-3577-A213-46CD-59C6FA274693}"/>
+              </a:ext>
+            </a:extLst>
+          </p:cNvPr>
+          <p:cNvSpPr/>
           <p:nvPr/>
-        </p:nvPicPr>
-        <p:blipFill>
-          <a:blip r:embed="rId3"/>
-          <a:stretch>
-            <a:fillRect/>
-          </a:stretch>
-        </p:blipFill>
+        </p:nvSpPr>
         <p:spPr>
           <a:xfrm>
-            <a:off x="3773562" y="410103"/>
-            <a:ext cx="4286250" cy="2461448"/>
-          </a:xfrm>
-          <a:prstGeom prst="rect">
-            <a:avLst/>
-          </a:prstGeom>
-        </p:spPr>
-      </p:pic>
-      <p:sp>
-        <p:nvSpPr>
-          <p:cNvPr id="19" name="Rectangle 18">
-            <a:extLst>
-              <a:ext uri="{FF2B5EF4-FFF2-40B4-BE49-F238E27FC236}">
-                <a16:creationId xmlns:a16="http://schemas.microsoft.com/office/drawing/2014/main" id="{94C324A7-3577-A213-46CD-59C6FA274693}"/>
-              </a:ext>
-            </a:extLst>
-          </p:cNvPr>
-          <p:cNvSpPr/>
-          <p:nvPr/>
-        </p:nvSpPr>
-        <p:spPr>
-          <a:xfrm>
-            <a:off x="6030986" y="1964058"/>
+            <a:off x="6150516" y="2282955"/>
             <a:ext cx="804863" cy="334613"/>
           </a:xfrm>
           <a:prstGeom prst="rect">
@@ -3497,13 +3497,18 @@
           <a:p>
             <a:pPr algn="r" rtl="1"/>
             <a:r>
-              <a:rPr lang="en-US" sz="1100" dirty="0">
+              <a:rPr lang="he-IL" sz="1100" dirty="0">
                 <a:solidFill>
                   <a:srgbClr val="FF0000"/>
                 </a:solidFill>
               </a:rPr>
-              <a:t>2</a:t>
-            </a:r>
+              <a:t>4</a:t>
+            </a:r>
+            <a:endParaRPr lang="en-US" sz="1100" dirty="0">
+              <a:solidFill>
+                <a:srgbClr val="FF0000"/>
+              </a:solidFill>
+            </a:endParaRPr>
           </a:p>
         </p:txBody>
       </p:sp>
@@ -3529,7 +3534,7 @@
         </p:blipFill>
         <p:spPr>
           <a:xfrm>
-            <a:off x="3332666" y="2555847"/>
+            <a:off x="3332666" y="2902476"/>
             <a:ext cx="5120028" cy="4165043"/>
           </a:xfrm>
           <a:prstGeom prst="rect">
@@ -3551,7 +3556,7 @@
         </p:nvSpPr>
         <p:spPr>
           <a:xfrm>
-            <a:off x="4668911" y="2603472"/>
+            <a:off x="4668911" y="2950101"/>
             <a:ext cx="438150" cy="228599"/>
           </a:xfrm>
           <a:prstGeom prst="rect">
@@ -3586,13 +3591,18 @@
           <a:p>
             <a:pPr algn="r" rtl="1"/>
             <a:r>
-              <a:rPr lang="en-US" sz="1100" dirty="0">
+              <a:rPr lang="he-IL" sz="1100" dirty="0">
                 <a:solidFill>
                   <a:srgbClr val="FF0000"/>
                 </a:solidFill>
               </a:rPr>
-              <a:t>3</a:t>
-            </a:r>
+              <a:t>5</a:t>
+            </a:r>
+            <a:endParaRPr lang="en-US" sz="1100" dirty="0">
+              <a:solidFill>
+                <a:srgbClr val="FF0000"/>
+              </a:solidFill>
+            </a:endParaRPr>
           </a:p>
         </p:txBody>
       </p:sp>
@@ -3675,13 +3685,18 @@
           <a:p>
             <a:pPr algn="r" rtl="1"/>
             <a:r>
-              <a:rPr lang="en-US" sz="1100" dirty="0">
+              <a:rPr lang="he-IL" sz="1100" dirty="0">
                 <a:solidFill>
                   <a:srgbClr val="FF0000"/>
                 </a:solidFill>
               </a:rPr>
-              <a:t>5</a:t>
-            </a:r>
+              <a:t>7</a:t>
+            </a:r>
+            <a:endParaRPr lang="en-US" sz="1100" dirty="0">
+              <a:solidFill>
+                <a:srgbClr val="FF0000"/>
+              </a:solidFill>
+            </a:endParaRPr>
           </a:p>
         </p:txBody>
       </p:sp>
@@ -3734,13 +3749,18 @@
           <a:p>
             <a:pPr algn="r" rtl="1"/>
             <a:r>
-              <a:rPr lang="en-US" sz="1100" dirty="0">
+              <a:rPr lang="he-IL" sz="1100" dirty="0">
                 <a:solidFill>
                   <a:srgbClr val="FF0000"/>
                 </a:solidFill>
               </a:rPr>
-              <a:t>6</a:t>
-            </a:r>
+              <a:t>8</a:t>
+            </a:r>
+            <a:endParaRPr lang="en-US" sz="1100" dirty="0">
+              <a:solidFill>
+                <a:srgbClr val="FF0000"/>
+              </a:solidFill>
+            </a:endParaRPr>
           </a:p>
         </p:txBody>
       </p:sp>
@@ -3793,13 +3813,18 @@
           <a:p>
             <a:pPr algn="r" rtl="1"/>
             <a:r>
-              <a:rPr lang="en-US" sz="1100" dirty="0">
+              <a:rPr lang="he-IL" sz="1100" dirty="0">
                 <a:solidFill>
                   <a:srgbClr val="FF0000"/>
                 </a:solidFill>
               </a:rPr>
-              <a:t>4</a:t>
-            </a:r>
+              <a:t>6</a:t>
+            </a:r>
+            <a:endParaRPr lang="en-US" sz="1100" dirty="0">
+              <a:solidFill>
+                <a:srgbClr val="FF0000"/>
+              </a:solidFill>
+            </a:endParaRPr>
           </a:p>
           <a:p>
             <a:pPr rtl="1"/>
@@ -3811,6 +3836,129 @@
               </a:rPr>
               <a:t>Copy the configuration from the guide and paste it </a:t>
             </a:r>
+          </a:p>
+        </p:txBody>
+      </p:sp>
+      <p:sp>
+        <p:nvSpPr>
+          <p:cNvPr id="4" name="Rectangle 3">
+            <a:extLst>
+              <a:ext uri="{FF2B5EF4-FFF2-40B4-BE49-F238E27FC236}">
+                <a16:creationId xmlns:a16="http://schemas.microsoft.com/office/drawing/2014/main" id="{BB657E3A-AFDE-E303-0F59-4360695F0FC3}"/>
+              </a:ext>
+            </a:extLst>
+          </p:cNvPr>
+          <p:cNvSpPr/>
+          <p:nvPr/>
+        </p:nvSpPr>
+        <p:spPr>
+          <a:xfrm>
+            <a:off x="3450024" y="2298671"/>
+            <a:ext cx="900847" cy="241330"/>
+          </a:xfrm>
+          <a:prstGeom prst="rect">
+            <a:avLst/>
+          </a:prstGeom>
+          <a:noFill/>
+          <a:ln w="25400">
+            <a:solidFill>
+              <a:srgbClr val="FF0000"/>
+            </a:solidFill>
+          </a:ln>
+        </p:spPr>
+        <p:style>
+          <a:lnRef idx="2">
+            <a:schemeClr val="accent1">
+              <a:shade val="50000"/>
+            </a:schemeClr>
+          </a:lnRef>
+          <a:fillRef idx="1">
+            <a:schemeClr val="accent1"/>
+          </a:fillRef>
+          <a:effectRef idx="0">
+            <a:schemeClr val="accent1"/>
+          </a:effectRef>
+          <a:fontRef idx="minor">
+            <a:schemeClr val="lt1"/>
+          </a:fontRef>
+        </p:style>
+        <p:txBody>
+          <a:bodyPr rtlCol="0" anchor="t" anchorCtr="0"/>
+          <a:lstStyle/>
+          <a:p>
+            <a:pPr algn="r" rtl="1"/>
+            <a:r>
+              <a:rPr lang="en-US" sz="1100" dirty="0">
+                <a:solidFill>
+                  <a:srgbClr val="FF0000"/>
+                </a:solidFill>
+              </a:rPr>
+              <a:t>2</a:t>
+            </a:r>
+          </a:p>
+        </p:txBody>
+      </p:sp>
+      <p:sp>
+        <p:nvSpPr>
+          <p:cNvPr id="5" name="Rectangle 4">
+            <a:extLst>
+              <a:ext uri="{FF2B5EF4-FFF2-40B4-BE49-F238E27FC236}">
+                <a16:creationId xmlns:a16="http://schemas.microsoft.com/office/drawing/2014/main" id="{A2280A55-F0F9-569D-E788-4FDDFCAA03C1}"/>
+              </a:ext>
+            </a:extLst>
+          </p:cNvPr>
+          <p:cNvSpPr/>
+          <p:nvPr/>
+        </p:nvSpPr>
+        <p:spPr>
+          <a:xfrm>
+            <a:off x="4419178" y="2450262"/>
+            <a:ext cx="900847" cy="241330"/>
+          </a:xfrm>
+          <a:prstGeom prst="rect">
+            <a:avLst/>
+          </a:prstGeom>
+          <a:noFill/>
+          <a:ln w="25400">
+            <a:solidFill>
+              <a:srgbClr val="FF0000"/>
+            </a:solidFill>
+          </a:ln>
+        </p:spPr>
+        <p:style>
+          <a:lnRef idx="2">
+            <a:schemeClr val="accent1">
+              <a:shade val="50000"/>
+            </a:schemeClr>
+          </a:lnRef>
+          <a:fillRef idx="1">
+            <a:schemeClr val="accent1"/>
+          </a:fillRef>
+          <a:effectRef idx="0">
+            <a:schemeClr val="accent1"/>
+          </a:effectRef>
+          <a:fontRef idx="minor">
+            <a:schemeClr val="lt1"/>
+          </a:fontRef>
+        </p:style>
+        <p:txBody>
+          <a:bodyPr rtlCol="0" anchor="t" anchorCtr="0"/>
+          <a:lstStyle/>
+          <a:p>
+            <a:pPr algn="r" rtl="1"/>
+            <a:r>
+              <a:rPr lang="he-IL" sz="1100" dirty="0">
+                <a:solidFill>
+                  <a:srgbClr val="FF0000"/>
+                </a:solidFill>
+              </a:rPr>
+              <a:t>3</a:t>
+            </a:r>
+            <a:endParaRPr lang="en-US" sz="1100" dirty="0">
+              <a:solidFill>
+                <a:srgbClr val="FF0000"/>
+              </a:solidFill>
+            </a:endParaRPr>
           </a:p>
         </p:txBody>
       </p:sp>
